--- a/trial-paper-sp025/c2/questions.pptx
+++ b/trial-paper-sp025/c2/questions.pptx
@@ -5,10 +5,14 @@
     <p:sldMasterId id="2147483660" r:id="rId1"/>
   </p:sldMasterIdLst>
   <p:notesMasterIdLst>
-    <p:notesMasterId r:id="rId3"/>
+    <p:notesMasterId r:id="rId7"/>
   </p:notesMasterIdLst>
   <p:sldIdLst>
     <p:sldId id="256" r:id="rId2"/>
+    <p:sldId id="257" r:id="rId3"/>
+    <p:sldId id="258" r:id="rId4"/>
+    <p:sldId id="259" r:id="rId5"/>
+    <p:sldId id="260" r:id="rId6"/>
   </p:sldIdLst>
   <p:sldSz cx="9906000" cy="6858000" type="A4"/>
   <p:notesSz cx="6858000" cy="9144000"/>
@@ -197,7 +201,7 @@
           <a:p>
             <a:fld id="{96402851-33C0-4232-B698-3821E8FFBB2B}" type="datetimeFigureOut">
               <a:rPr lang="en-MY" smtClean="0"/>
-              <a:t>21/3/2025</a:t>
+              <a:t>23/3/2025</a:t>
             </a:fld>
             <a:endParaRPr lang="en-MY"/>
           </a:p>
@@ -512,84 +516,35 @@
               <a:lstStyle/>
               <a:p>
                 <a:r>
-                  <a:rPr lang="en-US" dirty="0"/>
+                  <a:rPr lang="en-MY" dirty="0"/>
                   <a:t>[</a:t>
-                </a:r>
-                <a:r>
-                  <a:rPr lang="pt-BR" dirty="0"/>
-                  <a:t>(a) −2.42 × </a:t>
                 </a:r>
                 <a14:m>
                   <m:oMath xmlns:m="http://schemas.openxmlformats.org/officeDocument/2006/math">
-                    <m:sSup>
-                      <m:sSupPr>
-                        <m:ctrlPr>
-                          <a:rPr lang="pt-BR" i="1" dirty="0" smtClean="0">
-                            <a:latin typeface="Cambria Math" panose="02040503050406030204" pitchFamily="18" charset="0"/>
-                          </a:rPr>
-                        </m:ctrlPr>
-                      </m:sSupPr>
-                      <m:e>
-                        <m:r>
-                          <a:rPr lang="pt-BR" i="1" dirty="0" smtClean="0">
-                            <a:latin typeface="Cambria Math" panose="02040503050406030204" pitchFamily="18" charset="0"/>
-                          </a:rPr>
-                          <m:t>10</m:t>
-                        </m:r>
-                      </m:e>
-                      <m:sup>
-                        <m:r>
-                          <a:rPr lang="pt-BR" i="1" dirty="0" smtClean="0">
-                            <a:latin typeface="Cambria Math" panose="02040503050406030204" pitchFamily="18" charset="0"/>
-                          </a:rPr>
-                          <m:t>6</m:t>
-                        </m:r>
-                      </m:sup>
-                    </m:sSup>
+                    <m:r>
+                      <a:rPr lang="en-US" b="0" i="1" smtClean="0">
+                        <a:latin typeface="Cambria Math" panose="02040503050406030204" pitchFamily="18" charset="0"/>
+                      </a:rPr>
+                      <m:t>4.4</m:t>
+                    </m:r>
+                    <m:r>
+                      <a:rPr lang="en-US" b="0" i="1" smtClean="0">
+                        <a:latin typeface="Cambria Math" panose="02040503050406030204" pitchFamily="18" charset="0"/>
+                      </a:rPr>
+                      <m:t>𝜇</m:t>
+                    </m:r>
+                    <m:r>
+                      <a:rPr lang="en-US" b="0" i="1" smtClean="0">
+                        <a:latin typeface="Cambria Math" panose="02040503050406030204" pitchFamily="18" charset="0"/>
+                      </a:rPr>
+                      <m:t>𝐹</m:t>
+                    </m:r>
                   </m:oMath>
                 </a14:m>
                 <a:r>
-                  <a:rPr lang="pt-BR" dirty="0"/>
-                  <a:t> V (b) 123.25 × </a:t>
+                  <a:rPr lang="en-MY" dirty="0"/>
+                  <a:t>, 4]</a:t>
                 </a:r>
-                <a14:m>
-                  <m:oMath xmlns:m="http://schemas.openxmlformats.org/officeDocument/2006/math">
-                    <m:sSup>
-                      <m:sSupPr>
-                        <m:ctrlPr>
-                          <a:rPr lang="pt-BR" i="1" dirty="0" smtClean="0">
-                            <a:latin typeface="Cambria Math" panose="02040503050406030204" pitchFamily="18" charset="0"/>
-                          </a:rPr>
-                        </m:ctrlPr>
-                      </m:sSupPr>
-                      <m:e>
-                        <m:r>
-                          <a:rPr lang="pt-BR" i="1" dirty="0" smtClean="0">
-                            <a:latin typeface="Cambria Math" panose="02040503050406030204" pitchFamily="18" charset="0"/>
-                          </a:rPr>
-                          <m:t>10</m:t>
-                        </m:r>
-                      </m:e>
-                      <m:sup>
-                        <m:r>
-                          <a:rPr lang="pt-BR" i="1" dirty="0" smtClean="0">
-                            <a:latin typeface="Cambria Math" panose="02040503050406030204" pitchFamily="18" charset="0"/>
-                          </a:rPr>
-                          <m:t>6</m:t>
-                        </m:r>
-                      </m:sup>
-                    </m:sSup>
-                  </m:oMath>
-                </a14:m>
-                <a:r>
-                  <a:rPr lang="pt-BR" dirty="0"/>
-                  <a:t> N C−1, −75.1°</a:t>
-                </a:r>
-                <a:r>
-                  <a:rPr lang="en-US" dirty="0"/>
-                  <a:t>]</a:t>
-                </a:r>
-                <a:endParaRPr lang="en-MY" dirty="0"/>
               </a:p>
             </p:txBody>
           </p:sp>
@@ -684,6 +639,90 @@
 </p:notes>
 </file>
 
+<file path=ppt/notesSlides/notesSlide2.xml><?xml version="1.0" encoding="utf-8"?>
+<p:notes xmlns:a="http://schemas.openxmlformats.org/drawingml/2006/main" xmlns:r="http://schemas.openxmlformats.org/officeDocument/2006/relationships" xmlns:p="http://schemas.openxmlformats.org/presentationml/2006/main">
+  <p:cSld>
+    <p:spTree>
+      <p:nvGrpSpPr>
+        <p:cNvPr id="1" name=""/>
+        <p:cNvGrpSpPr/>
+        <p:nvPr/>
+      </p:nvGrpSpPr>
+      <p:grpSpPr>
+        <a:xfrm>
+          <a:off x="0" y="0"/>
+          <a:ext cx="0" cy="0"/>
+          <a:chOff x="0" y="0"/>
+          <a:chExt cx="0" cy="0"/>
+        </a:xfrm>
+      </p:grpSpPr>
+      <p:sp>
+        <p:nvSpPr>
+          <p:cNvPr id="2" name="Slide Image Placeholder 1"/>
+          <p:cNvSpPr>
+            <a:spLocks noGrp="1" noRot="1" noChangeAspect="1"/>
+          </p:cNvSpPr>
+          <p:nvPr>
+            <p:ph type="sldImg"/>
+          </p:nvPr>
+        </p:nvSpPr>
+        <p:spPr/>
+      </p:sp>
+      <p:sp>
+        <p:nvSpPr>
+          <p:cNvPr id="3" name="Notes Placeholder 2"/>
+          <p:cNvSpPr>
+            <a:spLocks noGrp="1"/>
+          </p:cNvSpPr>
+          <p:nvPr>
+            <p:ph type="body" idx="1"/>
+          </p:nvPr>
+        </p:nvSpPr>
+        <p:spPr/>
+        <p:txBody>
+          <a:bodyPr/>
+          <a:lstStyle/>
+          <a:p>
+            <a:endParaRPr lang="en-US" dirty="0"/>
+          </a:p>
+        </p:txBody>
+      </p:sp>
+      <p:sp>
+        <p:nvSpPr>
+          <p:cNvPr id="4" name="Slide Number Placeholder 3"/>
+          <p:cNvSpPr>
+            <a:spLocks noGrp="1"/>
+          </p:cNvSpPr>
+          <p:nvPr>
+            <p:ph type="sldNum" sz="quarter" idx="5"/>
+          </p:nvPr>
+        </p:nvSpPr>
+        <p:spPr/>
+        <p:txBody>
+          <a:bodyPr/>
+          <a:lstStyle/>
+          <a:p>
+            <a:fld id="{1E9F7178-10E6-4B08-A988-6735E72E923E}" type="slidenum">
+              <a:rPr lang="en-MY" smtClean="0"/>
+              <a:t>3</a:t>
+            </a:fld>
+            <a:endParaRPr lang="en-MY"/>
+          </a:p>
+        </p:txBody>
+      </p:sp>
+    </p:spTree>
+    <p:extLst>
+      <p:ext uri="{BB962C8B-B14F-4D97-AF65-F5344CB8AC3E}">
+        <p14:creationId xmlns:p14="http://schemas.microsoft.com/office/powerpoint/2010/main" val="816670303"/>
+      </p:ext>
+    </p:extLst>
+  </p:cSld>
+  <p:clrMapOvr>
+    <a:masterClrMapping/>
+  </p:clrMapOvr>
+</p:notes>
+</file>
+
 <file path=ppt/slideLayouts/slideLayout1.xml><?xml version="1.0" encoding="utf-8"?>
 <p:sldLayout xmlns:a="http://schemas.openxmlformats.org/drawingml/2006/main" xmlns:r="http://schemas.openxmlformats.org/officeDocument/2006/relationships" xmlns:p="http://schemas.openxmlformats.org/presentationml/2006/main" type="title" preserve="1">
   <p:cSld name="Title Slide">
@@ -815,7 +854,7 @@
           <a:p>
             <a:fld id="{1C12018E-1D6F-4112-AB1F-E258A5F3D156}" type="datetimeFigureOut">
               <a:rPr lang="en-MY" smtClean="0"/>
-              <a:t>21/3/2025</a:t>
+              <a:t>23/3/2025</a:t>
             </a:fld>
             <a:endParaRPr lang="en-MY"/>
           </a:p>
@@ -985,7 +1024,7 @@
           <a:p>
             <a:fld id="{1C12018E-1D6F-4112-AB1F-E258A5F3D156}" type="datetimeFigureOut">
               <a:rPr lang="en-MY" smtClean="0"/>
-              <a:t>21/3/2025</a:t>
+              <a:t>23/3/2025</a:t>
             </a:fld>
             <a:endParaRPr lang="en-MY"/>
           </a:p>
@@ -1165,7 +1204,7 @@
           <a:p>
             <a:fld id="{1C12018E-1D6F-4112-AB1F-E258A5F3D156}" type="datetimeFigureOut">
               <a:rPr lang="en-MY" smtClean="0"/>
-              <a:t>21/3/2025</a:t>
+              <a:t>23/3/2025</a:t>
             </a:fld>
             <a:endParaRPr lang="en-MY"/>
           </a:p>
@@ -1335,7 +1374,7 @@
           <a:p>
             <a:fld id="{1C12018E-1D6F-4112-AB1F-E258A5F3D156}" type="datetimeFigureOut">
               <a:rPr lang="en-MY" smtClean="0"/>
-              <a:t>21/3/2025</a:t>
+              <a:t>23/3/2025</a:t>
             </a:fld>
             <a:endParaRPr lang="en-MY"/>
           </a:p>
@@ -1579,7 +1618,7 @@
           <a:p>
             <a:fld id="{1C12018E-1D6F-4112-AB1F-E258A5F3D156}" type="datetimeFigureOut">
               <a:rPr lang="en-MY" smtClean="0"/>
-              <a:t>21/3/2025</a:t>
+              <a:t>23/3/2025</a:t>
             </a:fld>
             <a:endParaRPr lang="en-MY"/>
           </a:p>
@@ -1811,7 +1850,7 @@
           <a:p>
             <a:fld id="{1C12018E-1D6F-4112-AB1F-E258A5F3D156}" type="datetimeFigureOut">
               <a:rPr lang="en-MY" smtClean="0"/>
-              <a:t>21/3/2025</a:t>
+              <a:t>23/3/2025</a:t>
             </a:fld>
             <a:endParaRPr lang="en-MY"/>
           </a:p>
@@ -2178,7 +2217,7 @@
           <a:p>
             <a:fld id="{1C12018E-1D6F-4112-AB1F-E258A5F3D156}" type="datetimeFigureOut">
               <a:rPr lang="en-MY" smtClean="0"/>
-              <a:t>21/3/2025</a:t>
+              <a:t>23/3/2025</a:t>
             </a:fld>
             <a:endParaRPr lang="en-MY"/>
           </a:p>
@@ -2296,7 +2335,7 @@
           <a:p>
             <a:fld id="{1C12018E-1D6F-4112-AB1F-E258A5F3D156}" type="datetimeFigureOut">
               <a:rPr lang="en-MY" smtClean="0"/>
-              <a:t>21/3/2025</a:t>
+              <a:t>23/3/2025</a:t>
             </a:fld>
             <a:endParaRPr lang="en-MY"/>
           </a:p>
@@ -2391,7 +2430,7 @@
           <a:p>
             <a:fld id="{1C12018E-1D6F-4112-AB1F-E258A5F3D156}" type="datetimeFigureOut">
               <a:rPr lang="en-MY" smtClean="0"/>
-              <a:t>21/3/2025</a:t>
+              <a:t>23/3/2025</a:t>
             </a:fld>
             <a:endParaRPr lang="en-MY"/>
           </a:p>
@@ -2668,7 +2707,7 @@
           <a:p>
             <a:fld id="{1C12018E-1D6F-4112-AB1F-E258A5F3D156}" type="datetimeFigureOut">
               <a:rPr lang="en-MY" smtClean="0"/>
-              <a:t>21/3/2025</a:t>
+              <a:t>23/3/2025</a:t>
             </a:fld>
             <a:endParaRPr lang="en-MY"/>
           </a:p>
@@ -2925,7 +2964,7 @@
           <a:p>
             <a:fld id="{1C12018E-1D6F-4112-AB1F-E258A5F3D156}" type="datetimeFigureOut">
               <a:rPr lang="en-MY" smtClean="0"/>
-              <a:t>21/3/2025</a:t>
+              <a:t>23/3/2025</a:t>
             </a:fld>
             <a:endParaRPr lang="en-MY"/>
           </a:p>
@@ -3138,7 +3177,7 @@
           <a:p>
             <a:fld id="{1C12018E-1D6F-4112-AB1F-E258A5F3D156}" type="datetimeFigureOut">
               <a:rPr lang="en-MY" smtClean="0"/>
-              <a:t>21/3/2025</a:t>
+              <a:t>23/3/2025</a:t>
             </a:fld>
             <a:endParaRPr lang="en-MY"/>
           </a:p>
@@ -3543,10 +3582,943 @@
           <a:chExt cx="0" cy="0"/>
         </a:xfrm>
       </p:grpSpPr>
+      <p:pic>
+        <p:nvPicPr>
+          <p:cNvPr id="3" name="Picture 2">
+            <a:extLst>
+              <a:ext uri="{FF2B5EF4-FFF2-40B4-BE49-F238E27FC236}">
+                <a16:creationId xmlns:a16="http://schemas.microsoft.com/office/drawing/2014/main" id="{0077B47F-9F9A-E0F2-D457-8DD1C237BC1E}"/>
+              </a:ext>
+            </a:extLst>
+          </p:cNvPr>
+          <p:cNvPicPr>
+            <a:picLocks noChangeAspect="1"/>
+          </p:cNvPicPr>
+          <p:nvPr/>
+        </p:nvPicPr>
+        <p:blipFill>
+          <a:blip r:embed="rId3"/>
+          <a:stretch>
+            <a:fillRect/>
+          </a:stretch>
+        </p:blipFill>
+        <p:spPr>
+          <a:xfrm rot="5400000">
+            <a:off x="1250997" y="-1029892"/>
+            <a:ext cx="5216577" cy="7718571"/>
+          </a:xfrm>
+          <a:prstGeom prst="rect">
+            <a:avLst/>
+          </a:prstGeom>
+        </p:spPr>
+      </p:pic>
+      <mc:AlternateContent xmlns:mc="http://schemas.openxmlformats.org/markup-compatibility/2006">
+        <mc:Choice xmlns:a14="http://schemas.microsoft.com/office/drawing/2010/main" Requires="a14">
+          <p:sp>
+            <p:nvSpPr>
+              <p:cNvPr id="5" name="TextBox 4">
+                <a:extLst>
+                  <a:ext uri="{FF2B5EF4-FFF2-40B4-BE49-F238E27FC236}">
+                    <a16:creationId xmlns:a16="http://schemas.microsoft.com/office/drawing/2014/main" id="{0BF73392-4971-A6E2-EA2A-ABB63FBDDAD2}"/>
+                  </a:ext>
+                </a:extLst>
+              </p:cNvPr>
+              <p:cNvSpPr txBox="1"/>
+              <p:nvPr/>
+            </p:nvSpPr>
+            <p:spPr>
+              <a:xfrm>
+                <a:off x="4610100" y="5437682"/>
+                <a:ext cx="4953000" cy="461665"/>
+              </a:xfrm>
+              <a:prstGeom prst="rect">
+                <a:avLst/>
+              </a:prstGeom>
+              <a:noFill/>
+            </p:spPr>
+            <p:txBody>
+              <a:bodyPr wrap="square">
+                <a:spAutoFit/>
+              </a:bodyPr>
+              <a:lstStyle/>
+              <a:p>
+                <a:pPr algn="r"/>
+                <a14:m>
+                  <m:oMathPara xmlns:m="http://schemas.openxmlformats.org/officeDocument/2006/math">
+                    <m:oMathParaPr>
+                      <m:jc m:val="right"/>
+                    </m:oMathParaPr>
+                    <m:oMath xmlns:m="http://schemas.openxmlformats.org/officeDocument/2006/math">
+                      <m:r>
+                        <a:rPr lang="en-MY" sz="2400" b="1" i="1" dirty="0" smtClean="0">
+                          <a:latin typeface="Cambria Math" panose="02040503050406030204" pitchFamily="18" charset="0"/>
+                        </a:rPr>
+                        <m:t>[</m:t>
+                      </m:r>
+                      <m:r>
+                        <a:rPr lang="en-US" sz="2400" b="1" i="1" smtClean="0">
+                          <a:latin typeface="Cambria Math" panose="02040503050406030204" pitchFamily="18" charset="0"/>
+                        </a:rPr>
+                        <m:t>𝟒</m:t>
+                      </m:r>
+                      <m:r>
+                        <a:rPr lang="en-US" sz="2400" b="1" i="1" smtClean="0">
+                          <a:latin typeface="Cambria Math" panose="02040503050406030204" pitchFamily="18" charset="0"/>
+                        </a:rPr>
+                        <m:t>.</m:t>
+                      </m:r>
+                      <m:r>
+                        <a:rPr lang="en-US" sz="2400" b="1" i="1" smtClean="0">
+                          <a:latin typeface="Cambria Math" panose="02040503050406030204" pitchFamily="18" charset="0"/>
+                        </a:rPr>
+                        <m:t>𝟒</m:t>
+                      </m:r>
+                      <m:r>
+                        <a:rPr lang="en-US" sz="2400" b="1" i="1" smtClean="0">
+                          <a:latin typeface="Cambria Math" panose="02040503050406030204" pitchFamily="18" charset="0"/>
+                        </a:rPr>
+                        <m:t>𝝁</m:t>
+                      </m:r>
+                      <m:r>
+                        <a:rPr lang="en-US" sz="2400" b="1" i="1" smtClean="0">
+                          <a:latin typeface="Cambria Math" panose="02040503050406030204" pitchFamily="18" charset="0"/>
+                        </a:rPr>
+                        <m:t>𝑭</m:t>
+                      </m:r>
+                      <m:r>
+                        <a:rPr lang="en-MY" sz="2400" b="1" i="1" dirty="0" smtClean="0">
+                          <a:latin typeface="Cambria Math" panose="02040503050406030204" pitchFamily="18" charset="0"/>
+                        </a:rPr>
+                        <m:t>, </m:t>
+                      </m:r>
+                      <m:r>
+                        <a:rPr lang="en-MY" sz="2400" b="1" i="1" dirty="0" smtClean="0">
+                          <a:latin typeface="Cambria Math" panose="02040503050406030204" pitchFamily="18" charset="0"/>
+                        </a:rPr>
+                        <m:t>𝟒</m:t>
+                      </m:r>
+                      <m:r>
+                        <a:rPr lang="en-MY" sz="2400" b="1" i="1" dirty="0" smtClean="0">
+                          <a:latin typeface="Cambria Math" panose="02040503050406030204" pitchFamily="18" charset="0"/>
+                        </a:rPr>
+                        <m:t>]</m:t>
+                      </m:r>
+                    </m:oMath>
+                  </m:oMathPara>
+                </a14:m>
+                <a:endParaRPr lang="en-MY" sz="2400" b="1" dirty="0"/>
+              </a:p>
+            </p:txBody>
+          </p:sp>
+        </mc:Choice>
+        <mc:Fallback>
+          <p:sp>
+            <p:nvSpPr>
+              <p:cNvPr id="5" name="TextBox 4">
+                <a:extLst>
+                  <a:ext uri="{FF2B5EF4-FFF2-40B4-BE49-F238E27FC236}">
+                    <a16:creationId xmlns:a16="http://schemas.microsoft.com/office/drawing/2014/main" id="{0BF73392-4971-A6E2-EA2A-ABB63FBDDAD2}"/>
+                  </a:ext>
+                </a:extLst>
+              </p:cNvPr>
+              <p:cNvSpPr txBox="1">
+                <a:spLocks noRot="1" noChangeAspect="1" noMove="1" noResize="1" noEditPoints="1" noAdjustHandles="1" noChangeArrowheads="1" noChangeShapeType="1" noTextEdit="1"/>
+              </p:cNvSpPr>
+              <p:nvPr/>
+            </p:nvSpPr>
+            <p:spPr>
+              <a:xfrm>
+                <a:off x="4610100" y="5437682"/>
+                <a:ext cx="4953000" cy="461665"/>
+              </a:xfrm>
+              <a:prstGeom prst="rect">
+                <a:avLst/>
+              </a:prstGeom>
+              <a:blipFill>
+                <a:blip r:embed="rId4"/>
+                <a:stretch>
+                  <a:fillRect r="-1107" b="-17105"/>
+                </a:stretch>
+              </a:blipFill>
+            </p:spPr>
+            <p:txBody>
+              <a:bodyPr/>
+              <a:lstStyle/>
+              <a:p>
+                <a:r>
+                  <a:rPr lang="en-US">
+                    <a:noFill/>
+                  </a:rPr>
+                  <a:t> </a:t>
+                </a:r>
+              </a:p>
+            </p:txBody>
+          </p:sp>
+        </mc:Fallback>
+      </mc:AlternateContent>
     </p:spTree>
     <p:extLst>
       <p:ext uri="{BB962C8B-B14F-4D97-AF65-F5344CB8AC3E}">
         <p14:creationId xmlns:p14="http://schemas.microsoft.com/office/powerpoint/2010/main" val="446192004"/>
+      </p:ext>
+    </p:extLst>
+  </p:cSld>
+  <p:clrMapOvr>
+    <a:masterClrMapping/>
+  </p:clrMapOvr>
+</p:sld>
+</file>
+
+<file path=ppt/slides/slide2.xml><?xml version="1.0" encoding="utf-8"?>
+<p:sld xmlns:a="http://schemas.openxmlformats.org/drawingml/2006/main" xmlns:r="http://schemas.openxmlformats.org/officeDocument/2006/relationships" xmlns:p="http://schemas.openxmlformats.org/presentationml/2006/main">
+  <p:cSld>
+    <p:spTree>
+      <p:nvGrpSpPr>
+        <p:cNvPr id="1" name=""/>
+        <p:cNvGrpSpPr/>
+        <p:nvPr/>
+      </p:nvGrpSpPr>
+      <p:grpSpPr>
+        <a:xfrm>
+          <a:off x="0" y="0"/>
+          <a:ext cx="0" cy="0"/>
+          <a:chOff x="0" y="0"/>
+          <a:chExt cx="0" cy="0"/>
+        </a:xfrm>
+      </p:grpSpPr>
+      <p:pic>
+        <p:nvPicPr>
+          <p:cNvPr id="5" name="Picture 4">
+            <a:extLst>
+              <a:ext uri="{FF2B5EF4-FFF2-40B4-BE49-F238E27FC236}">
+                <a16:creationId xmlns:a16="http://schemas.microsoft.com/office/drawing/2014/main" id="{F444504A-7457-A7E8-26D2-EE171E38F99F}"/>
+              </a:ext>
+            </a:extLst>
+          </p:cNvPr>
+          <p:cNvPicPr>
+            <a:picLocks noChangeAspect="1"/>
+          </p:cNvPicPr>
+          <p:nvPr/>
+        </p:nvPicPr>
+        <p:blipFill>
+          <a:blip r:embed="rId2"/>
+          <a:stretch>
+            <a:fillRect/>
+          </a:stretch>
+        </p:blipFill>
+        <p:spPr>
+          <a:xfrm rot="5400000">
+            <a:off x="1637053" y="-429768"/>
+            <a:ext cx="4443431" cy="7717536"/>
+          </a:xfrm>
+          <a:prstGeom prst="rect">
+            <a:avLst/>
+          </a:prstGeom>
+        </p:spPr>
+      </p:pic>
+      <mc:AlternateContent xmlns:mc="http://schemas.openxmlformats.org/markup-compatibility/2006">
+        <mc:Choice xmlns:a14="http://schemas.microsoft.com/office/drawing/2010/main" Requires="a14">
+          <p:sp>
+            <p:nvSpPr>
+              <p:cNvPr id="6" name="TextBox 5">
+                <a:extLst>
+                  <a:ext uri="{FF2B5EF4-FFF2-40B4-BE49-F238E27FC236}">
+                    <a16:creationId xmlns:a16="http://schemas.microsoft.com/office/drawing/2014/main" id="{187204E2-05E0-1D8E-9B89-24546572C9F8}"/>
+                  </a:ext>
+                </a:extLst>
+              </p:cNvPr>
+              <p:cNvSpPr txBox="1"/>
+              <p:nvPr/>
+            </p:nvSpPr>
+            <p:spPr>
+              <a:xfrm>
+                <a:off x="4610100" y="5650716"/>
+                <a:ext cx="4953000" cy="830997"/>
+              </a:xfrm>
+              <a:prstGeom prst="rect">
+                <a:avLst/>
+              </a:prstGeom>
+              <a:noFill/>
+            </p:spPr>
+            <p:txBody>
+              <a:bodyPr wrap="square">
+                <a:spAutoFit/>
+              </a:bodyPr>
+              <a:lstStyle/>
+              <a:p>
+                <a:pPr algn="r"/>
+                <a:r>
+                  <a:rPr lang="en-MY" sz="2400" b="1" dirty="0"/>
+                  <a:t>[</a:t>
+                </a:r>
+                <a14:m>
+                  <m:oMath xmlns:m="http://schemas.openxmlformats.org/officeDocument/2006/math">
+                    <m:r>
+                      <a:rPr lang="en-US" sz="2400" b="1" i="1" smtClean="0">
+                        <a:latin typeface="Cambria Math" panose="02040503050406030204" pitchFamily="18" charset="0"/>
+                      </a:rPr>
+                      <m:t>𝟎</m:t>
+                    </m:r>
+                    <m:r>
+                      <a:rPr lang="en-US" sz="2400" b="1" i="1" smtClean="0">
+                        <a:latin typeface="Cambria Math" panose="02040503050406030204" pitchFamily="18" charset="0"/>
+                      </a:rPr>
+                      <m:t>.</m:t>
+                    </m:r>
+                    <m:r>
+                      <a:rPr lang="en-US" sz="2400" b="1" i="1" smtClean="0">
+                        <a:latin typeface="Cambria Math" panose="02040503050406030204" pitchFamily="18" charset="0"/>
+                      </a:rPr>
+                      <m:t>𝟖</m:t>
+                    </m:r>
+                    <m:r>
+                      <a:rPr lang="en-US" sz="2400" b="1" i="1" smtClean="0">
+                        <a:latin typeface="Cambria Math" panose="02040503050406030204" pitchFamily="18" charset="0"/>
+                      </a:rPr>
+                      <m:t>𝒏𝑭</m:t>
+                    </m:r>
+                  </m:oMath>
+                </a14:m>
+                <a:r>
+                  <a:rPr lang="en-MY" sz="2400" b="1" dirty="0"/>
+                  <a:t>, 5.62nJ, decrease]</a:t>
+                </a:r>
+              </a:p>
+              <a:p>
+                <a:pPr algn="r"/>
+                <a:r>
+                  <a:rPr lang="en-MY" sz="2400" b="1" dirty="0"/>
+                  <a:t>[32.4</a:t>
+                </a:r>
+                <a14:m>
+                  <m:oMath xmlns:m="http://schemas.openxmlformats.org/officeDocument/2006/math">
+                    <m:r>
+                      <a:rPr lang="en-US" sz="2400" b="1" i="1" smtClean="0">
+                        <a:latin typeface="Cambria Math" panose="02040503050406030204" pitchFamily="18" charset="0"/>
+                      </a:rPr>
+                      <m:t>𝝁</m:t>
+                    </m:r>
+                    <m:r>
+                      <a:rPr lang="en-US" sz="2400" b="1" i="1" smtClean="0">
+                        <a:latin typeface="Cambria Math" panose="02040503050406030204" pitchFamily="18" charset="0"/>
+                      </a:rPr>
+                      <m:t>𝑪</m:t>
+                    </m:r>
+                  </m:oMath>
+                </a14:m>
+                <a:r>
+                  <a:rPr lang="en-MY" sz="2400" b="1" dirty="0"/>
+                  <a:t>]</a:t>
+                </a:r>
+              </a:p>
+            </p:txBody>
+          </p:sp>
+        </mc:Choice>
+        <mc:Fallback>
+          <p:sp>
+            <p:nvSpPr>
+              <p:cNvPr id="6" name="TextBox 5">
+                <a:extLst>
+                  <a:ext uri="{FF2B5EF4-FFF2-40B4-BE49-F238E27FC236}">
+                    <a16:creationId xmlns:a16="http://schemas.microsoft.com/office/drawing/2014/main" id="{187204E2-05E0-1D8E-9B89-24546572C9F8}"/>
+                  </a:ext>
+                </a:extLst>
+              </p:cNvPr>
+              <p:cNvSpPr txBox="1">
+                <a:spLocks noRot="1" noChangeAspect="1" noMove="1" noResize="1" noEditPoints="1" noAdjustHandles="1" noChangeArrowheads="1" noChangeShapeType="1" noTextEdit="1"/>
+              </p:cNvSpPr>
+              <p:nvPr/>
+            </p:nvSpPr>
+            <p:spPr>
+              <a:xfrm>
+                <a:off x="4610100" y="5650716"/>
+                <a:ext cx="4953000" cy="830997"/>
+              </a:xfrm>
+              <a:prstGeom prst="rect">
+                <a:avLst/>
+              </a:prstGeom>
+              <a:blipFill>
+                <a:blip r:embed="rId3"/>
+                <a:stretch>
+                  <a:fillRect t="-5882" r="-1845" b="-16176"/>
+                </a:stretch>
+              </a:blipFill>
+            </p:spPr>
+            <p:txBody>
+              <a:bodyPr/>
+              <a:lstStyle/>
+              <a:p>
+                <a:r>
+                  <a:rPr lang="en-US">
+                    <a:noFill/>
+                  </a:rPr>
+                  <a:t> </a:t>
+                </a:r>
+              </a:p>
+            </p:txBody>
+          </p:sp>
+        </mc:Fallback>
+      </mc:AlternateContent>
+    </p:spTree>
+    <p:extLst>
+      <p:ext uri="{BB962C8B-B14F-4D97-AF65-F5344CB8AC3E}">
+        <p14:creationId xmlns:p14="http://schemas.microsoft.com/office/powerpoint/2010/main" val="1195019154"/>
+      </p:ext>
+    </p:extLst>
+  </p:cSld>
+  <p:clrMapOvr>
+    <a:masterClrMapping/>
+  </p:clrMapOvr>
+</p:sld>
+</file>
+
+<file path=ppt/slides/slide3.xml><?xml version="1.0" encoding="utf-8"?>
+<p:sld xmlns:a="http://schemas.openxmlformats.org/drawingml/2006/main" xmlns:r="http://schemas.openxmlformats.org/officeDocument/2006/relationships" xmlns:p="http://schemas.openxmlformats.org/presentationml/2006/main">
+  <p:cSld>
+    <p:spTree>
+      <p:nvGrpSpPr>
+        <p:cNvPr id="1" name="">
+          <a:extLst>
+            <a:ext uri="{FF2B5EF4-FFF2-40B4-BE49-F238E27FC236}">
+              <a16:creationId xmlns:a16="http://schemas.microsoft.com/office/drawing/2014/main" id="{8028BC80-1925-B10C-529C-7ABB020A3372}"/>
+            </a:ext>
+          </a:extLst>
+        </p:cNvPr>
+        <p:cNvGrpSpPr/>
+        <p:nvPr/>
+      </p:nvGrpSpPr>
+      <p:grpSpPr>
+        <a:xfrm>
+          <a:off x="0" y="0"/>
+          <a:ext cx="0" cy="0"/>
+          <a:chOff x="0" y="0"/>
+          <a:chExt cx="0" cy="0"/>
+        </a:xfrm>
+      </p:grpSpPr>
+      <p:pic>
+        <p:nvPicPr>
+          <p:cNvPr id="3" name="Picture 2">
+            <a:extLst>
+              <a:ext uri="{FF2B5EF4-FFF2-40B4-BE49-F238E27FC236}">
+                <a16:creationId xmlns:a16="http://schemas.microsoft.com/office/drawing/2014/main" id="{1B253AF9-31A6-1696-43DB-16B499C0855A}"/>
+              </a:ext>
+            </a:extLst>
+          </p:cNvPr>
+          <p:cNvPicPr>
+            <a:picLocks noChangeAspect="1"/>
+          </p:cNvPicPr>
+          <p:nvPr/>
+        </p:nvPicPr>
+        <p:blipFill>
+          <a:blip r:embed="rId3"/>
+          <a:stretch>
+            <a:fillRect/>
+          </a:stretch>
+        </p:blipFill>
+        <p:spPr>
+          <a:xfrm rot="5400000">
+            <a:off x="37684" y="-37680"/>
+            <a:ext cx="6858000" cy="6933364"/>
+          </a:xfrm>
+          <a:prstGeom prst="rect">
+            <a:avLst/>
+          </a:prstGeom>
+        </p:spPr>
+      </p:pic>
+      <mc:AlternateContent xmlns:mc="http://schemas.openxmlformats.org/markup-compatibility/2006">
+        <mc:Choice xmlns:a14="http://schemas.microsoft.com/office/drawing/2010/main" Requires="a14">
+          <p:sp>
+            <p:nvSpPr>
+              <p:cNvPr id="4" name="TextBox 3">
+                <a:extLst>
+                  <a:ext uri="{FF2B5EF4-FFF2-40B4-BE49-F238E27FC236}">
+                    <a16:creationId xmlns:a16="http://schemas.microsoft.com/office/drawing/2014/main" id="{EA760D7A-0C0D-80DE-15FF-548380A6CE52}"/>
+                  </a:ext>
+                </a:extLst>
+              </p:cNvPr>
+              <p:cNvSpPr txBox="1"/>
+              <p:nvPr/>
+            </p:nvSpPr>
+            <p:spPr>
+              <a:xfrm>
+                <a:off x="6667498" y="6027001"/>
+                <a:ext cx="3238500" cy="830997"/>
+              </a:xfrm>
+              <a:prstGeom prst="rect">
+                <a:avLst/>
+              </a:prstGeom>
+              <a:noFill/>
+            </p:spPr>
+            <p:txBody>
+              <a:bodyPr wrap="square">
+                <a:spAutoFit/>
+              </a:bodyPr>
+              <a:lstStyle/>
+              <a:p>
+                <a:pPr algn="r"/>
+                <a:r>
+                  <a:rPr lang="en-MY" sz="2400" b="1" dirty="0"/>
+                  <a:t>[</a:t>
+                </a:r>
+                <a14:m>
+                  <m:oMath xmlns:m="http://schemas.openxmlformats.org/officeDocument/2006/math">
+                    <m:r>
+                      <a:rPr lang="en-US" sz="2400" b="1" i="1" smtClean="0">
+                        <a:latin typeface="Cambria Math" panose="02040503050406030204" pitchFamily="18" charset="0"/>
+                      </a:rPr>
+                      <m:t>𝟏</m:t>
+                    </m:r>
+                    <m:r>
+                      <a:rPr lang="en-US" sz="2400" b="1" i="1" smtClean="0">
+                        <a:latin typeface="Cambria Math" panose="02040503050406030204" pitchFamily="18" charset="0"/>
+                      </a:rPr>
+                      <m:t>.</m:t>
+                    </m:r>
+                    <m:r>
+                      <a:rPr lang="en-US" sz="2400" b="1" i="1" smtClean="0">
+                        <a:latin typeface="Cambria Math" panose="02040503050406030204" pitchFamily="18" charset="0"/>
+                      </a:rPr>
+                      <m:t>𝟐𝟓</m:t>
+                    </m:r>
+                    <m:r>
+                      <a:rPr lang="en-US" sz="2400" b="1" i="1" smtClean="0">
+                        <a:latin typeface="Cambria Math" panose="02040503050406030204" pitchFamily="18" charset="0"/>
+                      </a:rPr>
+                      <m:t>𝝁</m:t>
+                    </m:r>
+                    <m:r>
+                      <a:rPr lang="en-US" sz="2400" b="1" i="1" smtClean="0">
+                        <a:latin typeface="Cambria Math" panose="02040503050406030204" pitchFamily="18" charset="0"/>
+                      </a:rPr>
+                      <m:t>𝑭</m:t>
+                    </m:r>
+                  </m:oMath>
+                </a14:m>
+                <a:r>
+                  <a:rPr lang="en-MY" sz="2400" b="1" dirty="0"/>
+                  <a:t>, 5s]</a:t>
+                </a:r>
+              </a:p>
+              <a:p>
+                <a:pPr algn="r"/>
+                <a:r>
+                  <a:rPr lang="en-MY" sz="2400" b="1" dirty="0"/>
+                  <a:t>[</a:t>
+                </a:r>
+                <a:r>
+                  <a:rPr lang="en-US" sz="2400" b="1" dirty="0"/>
+                  <a:t>3.75V</a:t>
+                </a:r>
+                <a:r>
+                  <a:rPr lang="en-MY" sz="2400" b="1" dirty="0"/>
+                  <a:t>]</a:t>
+                </a:r>
+              </a:p>
+            </p:txBody>
+          </p:sp>
+        </mc:Choice>
+        <mc:Fallback>
+          <p:sp>
+            <p:nvSpPr>
+              <p:cNvPr id="4" name="TextBox 3">
+                <a:extLst>
+                  <a:ext uri="{FF2B5EF4-FFF2-40B4-BE49-F238E27FC236}">
+                    <a16:creationId xmlns:a16="http://schemas.microsoft.com/office/drawing/2014/main" id="{EA760D7A-0C0D-80DE-15FF-548380A6CE52}"/>
+                  </a:ext>
+                </a:extLst>
+              </p:cNvPr>
+              <p:cNvSpPr txBox="1">
+                <a:spLocks noRot="1" noChangeAspect="1" noMove="1" noResize="1" noEditPoints="1" noAdjustHandles="1" noChangeArrowheads="1" noChangeShapeType="1" noTextEdit="1"/>
+              </p:cNvSpPr>
+              <p:nvPr/>
+            </p:nvSpPr>
+            <p:spPr>
+              <a:xfrm>
+                <a:off x="6667498" y="6027001"/>
+                <a:ext cx="3238500" cy="830997"/>
+              </a:xfrm>
+              <a:prstGeom prst="rect">
+                <a:avLst/>
+              </a:prstGeom>
+              <a:blipFill>
+                <a:blip r:embed="rId4"/>
+                <a:stretch>
+                  <a:fillRect t="-5882" r="-2825" b="-16176"/>
+                </a:stretch>
+              </a:blipFill>
+            </p:spPr>
+            <p:txBody>
+              <a:bodyPr/>
+              <a:lstStyle/>
+              <a:p>
+                <a:r>
+                  <a:rPr lang="en-US">
+                    <a:noFill/>
+                  </a:rPr>
+                  <a:t> </a:t>
+                </a:r>
+              </a:p>
+            </p:txBody>
+          </p:sp>
+        </mc:Fallback>
+      </mc:AlternateContent>
+    </p:spTree>
+    <p:extLst>
+      <p:ext uri="{BB962C8B-B14F-4D97-AF65-F5344CB8AC3E}">
+        <p14:creationId xmlns:p14="http://schemas.microsoft.com/office/powerpoint/2010/main" val="2748211780"/>
+      </p:ext>
+    </p:extLst>
+  </p:cSld>
+  <p:clrMapOvr>
+    <a:masterClrMapping/>
+  </p:clrMapOvr>
+</p:sld>
+</file>
+
+<file path=ppt/slides/slide4.xml><?xml version="1.0" encoding="utf-8"?>
+<p:sld xmlns:a="http://schemas.openxmlformats.org/drawingml/2006/main" xmlns:r="http://schemas.openxmlformats.org/officeDocument/2006/relationships" xmlns:p="http://schemas.openxmlformats.org/presentationml/2006/main">
+  <p:cSld>
+    <p:spTree>
+      <p:nvGrpSpPr>
+        <p:cNvPr id="1" name="">
+          <a:extLst>
+            <a:ext uri="{FF2B5EF4-FFF2-40B4-BE49-F238E27FC236}">
+              <a16:creationId xmlns:a16="http://schemas.microsoft.com/office/drawing/2014/main" id="{BC64134A-3F3F-22A8-B69A-C8270C1906DB}"/>
+            </a:ext>
+          </a:extLst>
+        </p:cNvPr>
+        <p:cNvGrpSpPr/>
+        <p:nvPr/>
+      </p:nvGrpSpPr>
+      <p:grpSpPr>
+        <a:xfrm>
+          <a:off x="0" y="0"/>
+          <a:ext cx="0" cy="0"/>
+          <a:chOff x="0" y="0"/>
+          <a:chExt cx="0" cy="0"/>
+        </a:xfrm>
+      </p:grpSpPr>
+      <p:pic>
+        <p:nvPicPr>
+          <p:cNvPr id="3" name="Picture 2">
+            <a:extLst>
+              <a:ext uri="{FF2B5EF4-FFF2-40B4-BE49-F238E27FC236}">
+                <a16:creationId xmlns:a16="http://schemas.microsoft.com/office/drawing/2014/main" id="{9175F450-AA37-070F-6BE9-7D43AE08C2CB}"/>
+              </a:ext>
+            </a:extLst>
+          </p:cNvPr>
+          <p:cNvPicPr>
+            <a:picLocks noChangeAspect="1"/>
+          </p:cNvPicPr>
+          <p:nvPr/>
+        </p:nvPicPr>
+        <p:blipFill>
+          <a:blip r:embed="rId2"/>
+          <a:stretch>
+            <a:fillRect/>
+          </a:stretch>
+        </p:blipFill>
+        <p:spPr>
+          <a:xfrm rot="5400000">
+            <a:off x="2601418" y="-1687120"/>
+            <a:ext cx="2514703" cy="7717536"/>
+          </a:xfrm>
+          <a:prstGeom prst="rect">
+            <a:avLst/>
+          </a:prstGeom>
+        </p:spPr>
+      </p:pic>
+      <p:sp>
+        <p:nvSpPr>
+          <p:cNvPr id="4" name="TextBox 3">
+            <a:extLst>
+              <a:ext uri="{FF2B5EF4-FFF2-40B4-BE49-F238E27FC236}">
+                <a16:creationId xmlns:a16="http://schemas.microsoft.com/office/drawing/2014/main" id="{D32FA90E-D306-4520-BABE-520834D8D0F3}"/>
+              </a:ext>
+            </a:extLst>
+          </p:cNvPr>
+          <p:cNvSpPr txBox="1"/>
+          <p:nvPr/>
+        </p:nvSpPr>
+        <p:spPr>
+          <a:xfrm>
+            <a:off x="6667498" y="6027001"/>
+            <a:ext cx="3238500" cy="830997"/>
+          </a:xfrm>
+          <a:prstGeom prst="rect">
+            <a:avLst/>
+          </a:prstGeom>
+          <a:noFill/>
+        </p:spPr>
+        <p:txBody>
+          <a:bodyPr wrap="square">
+            <a:spAutoFit/>
+          </a:bodyPr>
+          <a:lstStyle/>
+          <a:p>
+            <a:pPr algn="r"/>
+            <a:r>
+              <a:rPr lang="en-MY" sz="2400" b="1" dirty="0"/>
+              <a:t>[28.3pF]</a:t>
+            </a:r>
+          </a:p>
+          <a:p>
+            <a:pPr algn="r"/>
+            <a:r>
+              <a:rPr lang="en-MY" sz="2400" b="1" dirty="0"/>
+              <a:t>[</a:t>
+            </a:r>
+            <a:r>
+              <a:rPr lang="en-US" sz="2400" b="1" dirty="0"/>
+              <a:t>0.4mC, 0.02J</a:t>
+            </a:r>
+            <a:r>
+              <a:rPr lang="en-MY" sz="2400" b="1" dirty="0"/>
+              <a:t>]</a:t>
+            </a:r>
+          </a:p>
+        </p:txBody>
+      </p:sp>
+    </p:spTree>
+    <p:extLst>
+      <p:ext uri="{BB962C8B-B14F-4D97-AF65-F5344CB8AC3E}">
+        <p14:creationId xmlns:p14="http://schemas.microsoft.com/office/powerpoint/2010/main" val="2041563243"/>
+      </p:ext>
+    </p:extLst>
+  </p:cSld>
+  <p:clrMapOvr>
+    <a:masterClrMapping/>
+  </p:clrMapOvr>
+</p:sld>
+</file>
+
+<file path=ppt/slides/slide5.xml><?xml version="1.0" encoding="utf-8"?>
+<p:sld xmlns:a="http://schemas.openxmlformats.org/drawingml/2006/main" xmlns:r="http://schemas.openxmlformats.org/officeDocument/2006/relationships" xmlns:p="http://schemas.openxmlformats.org/presentationml/2006/main">
+  <p:cSld>
+    <p:spTree>
+      <p:nvGrpSpPr>
+        <p:cNvPr id="1" name="">
+          <a:extLst>
+            <a:ext uri="{FF2B5EF4-FFF2-40B4-BE49-F238E27FC236}">
+              <a16:creationId xmlns:a16="http://schemas.microsoft.com/office/drawing/2014/main" id="{2F7C070F-733C-89FE-195C-5F73FA0A4CA2}"/>
+            </a:ext>
+          </a:extLst>
+        </p:cNvPr>
+        <p:cNvGrpSpPr/>
+        <p:nvPr/>
+      </p:nvGrpSpPr>
+      <p:grpSpPr>
+        <a:xfrm>
+          <a:off x="0" y="0"/>
+          <a:ext cx="0" cy="0"/>
+          <a:chOff x="0" y="0"/>
+          <a:chExt cx="0" cy="0"/>
+        </a:xfrm>
+      </p:grpSpPr>
+      <p:grpSp>
+        <p:nvGrpSpPr>
+          <p:cNvPr id="6" name="Group 5">
+            <a:extLst>
+              <a:ext uri="{FF2B5EF4-FFF2-40B4-BE49-F238E27FC236}">
+                <a16:creationId xmlns:a16="http://schemas.microsoft.com/office/drawing/2014/main" id="{9E3785BF-6AB3-90EB-8242-E96A8A7FB109}"/>
+              </a:ext>
+            </a:extLst>
+          </p:cNvPr>
+          <p:cNvGrpSpPr/>
+          <p:nvPr/>
+        </p:nvGrpSpPr>
+        <p:grpSpPr>
+          <a:xfrm>
+            <a:off x="0" y="237680"/>
+            <a:ext cx="6435022" cy="6201220"/>
+            <a:chOff x="0" y="237680"/>
+            <a:chExt cx="4448474" cy="4286849"/>
+          </a:xfrm>
+        </p:grpSpPr>
+        <p:pic>
+          <p:nvPicPr>
+            <p:cNvPr id="3" name="Picture 2">
+              <a:extLst>
+                <a:ext uri="{FF2B5EF4-FFF2-40B4-BE49-F238E27FC236}">
+                  <a16:creationId xmlns:a16="http://schemas.microsoft.com/office/drawing/2014/main" id="{138597C5-4C77-7322-B984-DD3BA5E2BAF2}"/>
+                </a:ext>
+              </a:extLst>
+            </p:cNvPr>
+            <p:cNvPicPr>
+              <a:picLocks noChangeAspect="1"/>
+            </p:cNvPicPr>
+            <p:nvPr/>
+          </p:nvPicPr>
+          <p:blipFill>
+            <a:blip r:embed="rId2"/>
+            <a:stretch>
+              <a:fillRect/>
+            </a:stretch>
+          </p:blipFill>
+          <p:spPr>
+            <a:xfrm rot="5400000">
+              <a:off x="1090765" y="-853085"/>
+              <a:ext cx="2095792" cy="4277322"/>
+            </a:xfrm>
+            <a:prstGeom prst="rect">
+              <a:avLst/>
+            </a:prstGeom>
+          </p:spPr>
+        </p:pic>
+        <p:pic>
+          <p:nvPicPr>
+            <p:cNvPr id="5" name="Picture 4">
+              <a:extLst>
+                <a:ext uri="{FF2B5EF4-FFF2-40B4-BE49-F238E27FC236}">
+                  <a16:creationId xmlns:a16="http://schemas.microsoft.com/office/drawing/2014/main" id="{D4F348A6-5CA8-DC56-BD24-378CF435892E}"/>
+                </a:ext>
+              </a:extLst>
+            </p:cNvPr>
+            <p:cNvPicPr>
+              <a:picLocks noChangeAspect="1"/>
+            </p:cNvPicPr>
+            <p:nvPr/>
+          </p:nvPicPr>
+          <p:blipFill>
+            <a:blip r:embed="rId3"/>
+            <a:stretch>
+              <a:fillRect/>
+            </a:stretch>
+          </p:blipFill>
+          <p:spPr>
+            <a:xfrm rot="5400000">
+              <a:off x="1223811" y="1299867"/>
+              <a:ext cx="2162477" cy="4286848"/>
+            </a:xfrm>
+            <a:prstGeom prst="rect">
+              <a:avLst/>
+            </a:prstGeom>
+          </p:spPr>
+        </p:pic>
+      </p:grpSp>
+      <mc:AlternateContent xmlns:mc="http://schemas.openxmlformats.org/markup-compatibility/2006">
+        <mc:Choice xmlns:a14="http://schemas.microsoft.com/office/drawing/2010/main" Requires="a14">
+          <p:sp>
+            <p:nvSpPr>
+              <p:cNvPr id="7" name="TextBox 6">
+                <a:extLst>
+                  <a:ext uri="{FF2B5EF4-FFF2-40B4-BE49-F238E27FC236}">
+                    <a16:creationId xmlns:a16="http://schemas.microsoft.com/office/drawing/2014/main" id="{E6DF34F2-1918-1EF2-1A90-6EEBDE02CC1D}"/>
+                  </a:ext>
+                </a:extLst>
+              </p:cNvPr>
+              <p:cNvSpPr txBox="1"/>
+              <p:nvPr/>
+            </p:nvSpPr>
+            <p:spPr>
+              <a:xfrm>
+                <a:off x="6667498" y="6027001"/>
+                <a:ext cx="3238500" cy="830997"/>
+              </a:xfrm>
+              <a:prstGeom prst="rect">
+                <a:avLst/>
+              </a:prstGeom>
+              <a:noFill/>
+            </p:spPr>
+            <p:txBody>
+              <a:bodyPr wrap="square">
+                <a:spAutoFit/>
+              </a:bodyPr>
+              <a:lstStyle/>
+              <a:p>
+                <a:pPr algn="r"/>
+                <a:r>
+                  <a:rPr lang="en-MY" sz="2400" b="1" dirty="0"/>
+                  <a:t>[88.5</a:t>
+                </a:r>
+                <a14:m>
+                  <m:oMath xmlns:m="http://schemas.openxmlformats.org/officeDocument/2006/math">
+                    <m:r>
+                      <a:rPr lang="en-MY" sz="2400" b="1" i="1" dirty="0" smtClean="0">
+                        <a:latin typeface="Cambria Math" panose="02040503050406030204" pitchFamily="18" charset="0"/>
+                      </a:rPr>
+                      <m:t>𝝁</m:t>
+                    </m:r>
+                    <m:r>
+                      <a:rPr lang="en-US" sz="2400" b="1" i="1" dirty="0" smtClean="0">
+                        <a:latin typeface="Cambria Math" panose="02040503050406030204" pitchFamily="18" charset="0"/>
+                      </a:rPr>
+                      <m:t>𝑪</m:t>
+                    </m:r>
+                  </m:oMath>
+                </a14:m>
+                <a:r>
+                  <a:rPr lang="en-MY" sz="2400" b="1" dirty="0"/>
+                  <a:t>, 3.15V]</a:t>
+                </a:r>
+              </a:p>
+              <a:p>
+                <a:pPr algn="r"/>
+                <a:r>
+                  <a:rPr lang="en-MY" sz="2400" b="1" dirty="0"/>
+                  <a:t>[</a:t>
+                </a:r>
+                <a:r>
+                  <a:rPr lang="en-US" sz="2400" b="1" dirty="0"/>
+                  <a:t>2.75ms</a:t>
+                </a:r>
+                <a:r>
+                  <a:rPr lang="en-MY" sz="2400" b="1" dirty="0"/>
+                  <a:t>]</a:t>
+                </a:r>
+              </a:p>
+            </p:txBody>
+          </p:sp>
+        </mc:Choice>
+        <mc:Fallback>
+          <p:sp>
+            <p:nvSpPr>
+              <p:cNvPr id="7" name="TextBox 6">
+                <a:extLst>
+                  <a:ext uri="{FF2B5EF4-FFF2-40B4-BE49-F238E27FC236}">
+                    <a16:creationId xmlns:a16="http://schemas.microsoft.com/office/drawing/2014/main" id="{E6DF34F2-1918-1EF2-1A90-6EEBDE02CC1D}"/>
+                  </a:ext>
+                </a:extLst>
+              </p:cNvPr>
+              <p:cNvSpPr txBox="1">
+                <a:spLocks noRot="1" noChangeAspect="1" noMove="1" noResize="1" noEditPoints="1" noAdjustHandles="1" noChangeArrowheads="1" noChangeShapeType="1" noTextEdit="1"/>
+              </p:cNvSpPr>
+              <p:nvPr/>
+            </p:nvSpPr>
+            <p:spPr>
+              <a:xfrm>
+                <a:off x="6667498" y="6027001"/>
+                <a:ext cx="3238500" cy="830997"/>
+              </a:xfrm>
+              <a:prstGeom prst="rect">
+                <a:avLst/>
+              </a:prstGeom>
+              <a:blipFill>
+                <a:blip r:embed="rId4"/>
+                <a:stretch>
+                  <a:fillRect t="-5882" r="-2825" b="-16176"/>
+                </a:stretch>
+              </a:blipFill>
+            </p:spPr>
+            <p:txBody>
+              <a:bodyPr/>
+              <a:lstStyle/>
+              <a:p>
+                <a:r>
+                  <a:rPr lang="en-US">
+                    <a:noFill/>
+                  </a:rPr>
+                  <a:t> </a:t>
+                </a:r>
+              </a:p>
+            </p:txBody>
+          </p:sp>
+        </mc:Fallback>
+      </mc:AlternateContent>
+    </p:spTree>
+    <p:extLst>
+      <p:ext uri="{BB962C8B-B14F-4D97-AF65-F5344CB8AC3E}">
+        <p14:creationId xmlns:p14="http://schemas.microsoft.com/office/powerpoint/2010/main" val="2286308265"/>
       </p:ext>
     </p:extLst>
   </p:cSld>
